--- a/poster/ohollaren_poster.pptx
+++ b/poster/ohollaren_poster.pptx
@@ -462,7 +462,7 @@
     </p:spTree>
     <p:extLst>
       <p:ext uri="{BB962C8B-B14F-4D97-AF65-F5344CB8AC3E}">
-        <p14:creationId xmlns="" xmlns:a="http://schemas.openxmlformats.org/drawingml/2006/main" xmlns:r="http://schemas.openxmlformats.org/officeDocument/2006/relationships" xmlns:p="http://schemas.openxmlformats.org/presentationml/2006/main" xmlns:p14="http://schemas.microsoft.com/office/powerpoint/2010/main" xmlns:mv="urn:schemas-microsoft-com:mac:vml" xmlns:mc="http://schemas.openxmlformats.org/markup-compatibility/2006" val="2638942905"/>
+        <p14:creationId xmlns:mc="http://schemas.openxmlformats.org/markup-compatibility/2006" xmlns:mv="urn:schemas-microsoft-com:mac:vml" xmlns:p14="http://schemas.microsoft.com/office/powerpoint/2010/main" xmlns:p="http://schemas.openxmlformats.org/presentationml/2006/main" xmlns:r="http://schemas.openxmlformats.org/officeDocument/2006/relationships" xmlns:a="http://schemas.openxmlformats.org/drawingml/2006/main" xmlns="" val="2638942905"/>
       </p:ext>
     </p:extLst>
   </p:cSld>
@@ -7990,7 +7990,6 @@
               <a:rPr lang="en-US" sz="8600" b="1" dirty="0" smtClean="0"/>
               <a:t>ZZZZZZZZZZZZ</a:t>
             </a:r>
-            <a:endParaRPr lang="en-US" sz="8600" b="1" dirty="0" smtClean="0"/>
           </a:p>
           <a:p>
             <a:pPr algn="ctr"/>
@@ -8400,6 +8399,54 @@
           </a:p>
         </p:txBody>
       </p:sp>
+      <p:pic>
+        <p:nvPicPr>
+          <p:cNvPr id="16" name="Picture 15" descr="lin_reg_learning_curve.eps.png"/>
+          <p:cNvPicPr>
+            <a:picLocks noChangeAspect="1"/>
+          </p:cNvPicPr>
+          <p:nvPr/>
+        </p:nvPicPr>
+        <p:blipFill>
+          <a:blip r:embed="rId4"/>
+          <a:stretch>
+            <a:fillRect/>
+          </a:stretch>
+        </p:blipFill>
+        <p:spPr>
+          <a:xfrm>
+            <a:off x="22537925" y="15436832"/>
+            <a:ext cx="10207857" cy="13214350"/>
+          </a:xfrm>
+          <a:prstGeom prst="rect">
+            <a:avLst/>
+          </a:prstGeom>
+        </p:spPr>
+      </p:pic>
+      <p:pic>
+        <p:nvPicPr>
+          <p:cNvPr id="17" name="Picture 16" descr="top30_lin_reg_all_feat.eps.png"/>
+          <p:cNvPicPr>
+            <a:picLocks noChangeAspect="1"/>
+          </p:cNvPicPr>
+          <p:nvPr/>
+        </p:nvPicPr>
+        <p:blipFill>
+          <a:blip r:embed="rId5"/>
+          <a:stretch>
+            <a:fillRect/>
+          </a:stretch>
+        </p:blipFill>
+        <p:spPr>
+          <a:xfrm>
+            <a:off x="22537925" y="9741402"/>
+            <a:ext cx="9720076" cy="12573232"/>
+          </a:xfrm>
+          <a:prstGeom prst="rect">
+            <a:avLst/>
+          </a:prstGeom>
+        </p:spPr>
+      </p:pic>
     </p:spTree>
   </p:cSld>
   <p:clrMapOvr>

--- a/poster/ohollaren_poster.pptx
+++ b/poster/ohollaren_poster.pptx
@@ -8401,7 +8401,7 @@
       </p:sp>
       <p:pic>
         <p:nvPicPr>
-          <p:cNvPr id="16" name="Picture 15" descr="lin_reg_learning_curve.eps.png"/>
+          <p:cNvPr id="17" name="Picture 16" descr="top30_lin_reg_all_feat.eps.png"/>
           <p:cNvPicPr>
             <a:picLocks noChangeAspect="1"/>
           </p:cNvPicPr>
@@ -8415,8 +8415,8 @@
         </p:blipFill>
         <p:spPr>
           <a:xfrm>
-            <a:off x="22537925" y="15436832"/>
-            <a:ext cx="10207857" cy="13214350"/>
+            <a:off x="22537925" y="9741402"/>
+            <a:ext cx="9720076" cy="12573232"/>
           </a:xfrm>
           <a:prstGeom prst="rect">
             <a:avLst/>
@@ -8425,7 +8425,7 @@
       </p:pic>
       <p:pic>
         <p:nvPicPr>
-          <p:cNvPr id="17" name="Picture 16" descr="top30_lin_reg_all_feat.eps.png"/>
+          <p:cNvPr id="18" name="Picture 17" descr="rmse_plus_dcg.png"/>
           <p:cNvPicPr>
             <a:picLocks noChangeAspect="1"/>
           </p:cNvPicPr>
@@ -8439,8 +8439,8 @@
         </p:blipFill>
         <p:spPr>
           <a:xfrm>
-            <a:off x="22537925" y="9741402"/>
-            <a:ext cx="9720076" cy="12573232"/>
+            <a:off x="22537925" y="17741203"/>
+            <a:ext cx="9720076" cy="12577779"/>
           </a:xfrm>
           <a:prstGeom prst="rect">
             <a:avLst/>
